--- a/slides/geog4300_f19_L05-3 Data classification and central tendancy.pptx
+++ b/slides/geog4300_f19_L05-3 Data classification and central tendancy.pptx
@@ -5,7 +5,7 @@
     <p:sldMasterId id="2147483659" r:id="rId1"/>
   </p:sldMasterIdLst>
   <p:notesMasterIdLst>
-    <p:notesMasterId r:id="rId20"/>
+    <p:notesMasterId r:id="rId22"/>
   </p:notesMasterIdLst>
   <p:sldIdLst>
     <p:sldId id="256" r:id="rId2"/>
@@ -26,6 +26,8 @@
     <p:sldId id="276" r:id="rId17"/>
     <p:sldId id="277" r:id="rId18"/>
     <p:sldId id="278" r:id="rId19"/>
+    <p:sldId id="297" r:id="rId20"/>
+    <p:sldId id="298" r:id="rId21"/>
   </p:sldIdLst>
   <p:sldSz cx="9144000" cy="6858000" type="screen4x3"/>
   <p:notesSz cx="6858000" cy="9144000"/>
@@ -3212,6 +3214,195 @@
 </p:notes>
 </file>
 
+<file path=ppt/notesSlides/notesSlide19.xml><?xml version="1.0" encoding="utf-8"?>
+<p:notes xmlns:a="http://schemas.openxmlformats.org/drawingml/2006/main" xmlns:r="http://schemas.openxmlformats.org/officeDocument/2006/relationships" xmlns:p="http://schemas.openxmlformats.org/presentationml/2006/main" showMasterSp="0" showMasterPhAnim="0">
+  <p:cSld>
+    <p:spTree>
+      <p:nvGrpSpPr>
+        <p:cNvPr id="1" name="Shape 372"/>
+        <p:cNvGrpSpPr/>
+        <p:nvPr/>
+      </p:nvGrpSpPr>
+      <p:grpSpPr>
+        <a:xfrm>
+          <a:off x="0" y="0"/>
+          <a:ext cx="0" cy="0"/>
+          <a:chOff x="0" y="0"/>
+          <a:chExt cx="0" cy="0"/>
+        </a:xfrm>
+      </p:grpSpPr>
+      <p:sp>
+        <p:nvSpPr>
+          <p:cNvPr id="373" name="Shape 373"/>
+          <p:cNvSpPr>
+            <a:spLocks noGrp="1" noRot="1" noChangeAspect="1"/>
+          </p:cNvSpPr>
+          <p:nvPr>
+            <p:ph type="sldImg" idx="2"/>
+          </p:nvPr>
+        </p:nvSpPr>
+        <p:spPr>
+          <a:xfrm>
+            <a:off x="1257300" y="720725"/>
+            <a:ext cx="4800600" cy="3600450"/>
+          </a:xfrm>
+          <a:custGeom>
+            <a:avLst/>
+            <a:gdLst/>
+            <a:ahLst/>
+            <a:cxnLst/>
+            <a:rect l="0" t="0" r="0" b="0"/>
+            <a:pathLst>
+              <a:path w="120000" h="120000" extrusionOk="0">
+                <a:moveTo>
+                  <a:pt x="0" y="0"/>
+                </a:moveTo>
+                <a:lnTo>
+                  <a:pt x="120000" y="0"/>
+                </a:lnTo>
+                <a:lnTo>
+                  <a:pt x="120000" y="120000"/>
+                </a:lnTo>
+                <a:lnTo>
+                  <a:pt x="0" y="120000"/>
+                </a:lnTo>
+                <a:close/>
+              </a:path>
+            </a:pathLst>
+          </a:custGeom>
+          <a:noFill/>
+          <a:ln w="12700" cap="flat" cmpd="sng">
+            <a:solidFill>
+              <a:srgbClr val="000000"/>
+            </a:solidFill>
+            <a:prstDash val="solid"/>
+            <a:round/>
+            <a:headEnd type="none" w="med" len="med"/>
+            <a:tailEnd type="none" w="med" len="med"/>
+          </a:ln>
+        </p:spPr>
+      </p:sp>
+      <p:sp>
+        <p:nvSpPr>
+          <p:cNvPr id="374" name="Shape 374"/>
+          <p:cNvSpPr txBox="1">
+            <a:spLocks noGrp="1"/>
+          </p:cNvSpPr>
+          <p:nvPr>
+            <p:ph type="body" idx="1"/>
+          </p:nvPr>
+        </p:nvSpPr>
+        <p:spPr>
+          <a:xfrm>
+            <a:off x="731520" y="4560569"/>
+            <a:ext cx="5852159" cy="4320539"/>
+          </a:xfrm>
+          <a:prstGeom prst="rect">
+            <a:avLst/>
+          </a:prstGeom>
+          <a:noFill/>
+          <a:ln>
+            <a:noFill/>
+          </a:ln>
+        </p:spPr>
+        <p:txBody>
+          <a:bodyPr lIns="96650" tIns="48325" rIns="96650" bIns="48325" anchor="t" anchorCtr="0">
+            <a:noAutofit/>
+          </a:bodyPr>
+          <a:lstStyle/>
+          <a:p>
+            <a:pPr marL="0" marR="0" lvl="0" indent="0" algn="l" rtl="0">
+              <a:spcBef>
+                <a:spcPts val="0"/>
+              </a:spcBef>
+              <a:buSzPct val="25000"/>
+              <a:buNone/>
+            </a:pPr>
+            <a:endParaRPr sz="1200" b="0" i="0" u="none" strike="noStrike" cap="none">
+              <a:solidFill>
+                <a:schemeClr val="dk1"/>
+              </a:solidFill>
+              <a:latin typeface="Calibri"/>
+              <a:ea typeface="Calibri"/>
+              <a:cs typeface="Calibri"/>
+              <a:sym typeface="Calibri"/>
+            </a:endParaRPr>
+          </a:p>
+        </p:txBody>
+      </p:sp>
+      <p:sp>
+        <p:nvSpPr>
+          <p:cNvPr id="375" name="Shape 375"/>
+          <p:cNvSpPr txBox="1">
+            <a:spLocks noGrp="1"/>
+          </p:cNvSpPr>
+          <p:nvPr>
+            <p:ph type="sldNum" idx="12"/>
+          </p:nvPr>
+        </p:nvSpPr>
+        <p:spPr>
+          <a:xfrm>
+            <a:off x="4143587" y="9119474"/>
+            <a:ext cx="3169920" cy="480059"/>
+          </a:xfrm>
+          <a:prstGeom prst="rect">
+            <a:avLst/>
+          </a:prstGeom>
+          <a:noFill/>
+          <a:ln>
+            <a:noFill/>
+          </a:ln>
+        </p:spPr>
+        <p:txBody>
+          <a:bodyPr lIns="96650" tIns="48325" rIns="96650" bIns="48325" anchor="b" anchorCtr="0">
+            <a:noAutofit/>
+          </a:bodyPr>
+          <a:lstStyle/>
+          <a:p>
+            <a:pPr marL="0" marR="0" lvl="0" indent="0" algn="r" rtl="0">
+              <a:spcBef>
+                <a:spcPts val="0"/>
+              </a:spcBef>
+              <a:buSzPct val="25000"/>
+              <a:buNone/>
+            </a:pPr>
+            <a:fld id="{00000000-1234-1234-1234-123412341234}" type="slidenum">
+              <a:rPr lang="en-US" sz="1300">
+                <a:solidFill>
+                  <a:schemeClr val="dk1"/>
+                </a:solidFill>
+                <a:latin typeface="Calibri"/>
+                <a:ea typeface="Calibri"/>
+                <a:cs typeface="Calibri"/>
+                <a:sym typeface="Calibri"/>
+              </a:rPr>
+              <a:t>19</a:t>
+            </a:fld>
+            <a:endParaRPr lang="en-US" sz="1300">
+              <a:solidFill>
+                <a:schemeClr val="dk1"/>
+              </a:solidFill>
+              <a:latin typeface="Calibri"/>
+              <a:ea typeface="Calibri"/>
+              <a:cs typeface="Calibri"/>
+              <a:sym typeface="Calibri"/>
+            </a:endParaRPr>
+          </a:p>
+        </p:txBody>
+      </p:sp>
+    </p:spTree>
+    <p:extLst>
+      <p:ext uri="{BB962C8B-B14F-4D97-AF65-F5344CB8AC3E}">
+        <p14:creationId xmlns:p14="http://schemas.microsoft.com/office/powerpoint/2010/main" val="329030926"/>
+      </p:ext>
+    </p:extLst>
+  </p:cSld>
+  <p:clrMapOvr>
+    <a:masterClrMapping/>
+  </p:clrMapOvr>
+</p:notes>
+</file>
+
 <file path=ppt/notesSlides/notesSlide2.xml><?xml version="1.0" encoding="utf-8"?>
 <p:notes xmlns:a="http://schemas.openxmlformats.org/drawingml/2006/main" xmlns:r="http://schemas.openxmlformats.org/officeDocument/2006/relationships" xmlns:p="http://schemas.openxmlformats.org/presentationml/2006/main" showMasterSp="0" showMasterPhAnim="0">
   <p:cSld>
@@ -3389,6 +3580,195 @@
         </p:txBody>
       </p:sp>
     </p:spTree>
+  </p:cSld>
+  <p:clrMapOvr>
+    <a:masterClrMapping/>
+  </p:clrMapOvr>
+</p:notes>
+</file>
+
+<file path=ppt/notesSlides/notesSlide20.xml><?xml version="1.0" encoding="utf-8"?>
+<p:notes xmlns:a="http://schemas.openxmlformats.org/drawingml/2006/main" xmlns:r="http://schemas.openxmlformats.org/officeDocument/2006/relationships" xmlns:p="http://schemas.openxmlformats.org/presentationml/2006/main" showMasterSp="0" showMasterPhAnim="0">
+  <p:cSld>
+    <p:spTree>
+      <p:nvGrpSpPr>
+        <p:cNvPr id="1" name="Shape 372"/>
+        <p:cNvGrpSpPr/>
+        <p:nvPr/>
+      </p:nvGrpSpPr>
+      <p:grpSpPr>
+        <a:xfrm>
+          <a:off x="0" y="0"/>
+          <a:ext cx="0" cy="0"/>
+          <a:chOff x="0" y="0"/>
+          <a:chExt cx="0" cy="0"/>
+        </a:xfrm>
+      </p:grpSpPr>
+      <p:sp>
+        <p:nvSpPr>
+          <p:cNvPr id="373" name="Shape 373"/>
+          <p:cNvSpPr>
+            <a:spLocks noGrp="1" noRot="1" noChangeAspect="1"/>
+          </p:cNvSpPr>
+          <p:nvPr>
+            <p:ph type="sldImg" idx="2"/>
+          </p:nvPr>
+        </p:nvSpPr>
+        <p:spPr>
+          <a:xfrm>
+            <a:off x="1257300" y="720725"/>
+            <a:ext cx="4800600" cy="3600450"/>
+          </a:xfrm>
+          <a:custGeom>
+            <a:avLst/>
+            <a:gdLst/>
+            <a:ahLst/>
+            <a:cxnLst/>
+            <a:rect l="0" t="0" r="0" b="0"/>
+            <a:pathLst>
+              <a:path w="120000" h="120000" extrusionOk="0">
+                <a:moveTo>
+                  <a:pt x="0" y="0"/>
+                </a:moveTo>
+                <a:lnTo>
+                  <a:pt x="120000" y="0"/>
+                </a:lnTo>
+                <a:lnTo>
+                  <a:pt x="120000" y="120000"/>
+                </a:lnTo>
+                <a:lnTo>
+                  <a:pt x="0" y="120000"/>
+                </a:lnTo>
+                <a:close/>
+              </a:path>
+            </a:pathLst>
+          </a:custGeom>
+          <a:noFill/>
+          <a:ln w="12700" cap="flat" cmpd="sng">
+            <a:solidFill>
+              <a:srgbClr val="000000"/>
+            </a:solidFill>
+            <a:prstDash val="solid"/>
+            <a:round/>
+            <a:headEnd type="none" w="med" len="med"/>
+            <a:tailEnd type="none" w="med" len="med"/>
+          </a:ln>
+        </p:spPr>
+      </p:sp>
+      <p:sp>
+        <p:nvSpPr>
+          <p:cNvPr id="374" name="Shape 374"/>
+          <p:cNvSpPr txBox="1">
+            <a:spLocks noGrp="1"/>
+          </p:cNvSpPr>
+          <p:nvPr>
+            <p:ph type="body" idx="1"/>
+          </p:nvPr>
+        </p:nvSpPr>
+        <p:spPr>
+          <a:xfrm>
+            <a:off x="731520" y="4560569"/>
+            <a:ext cx="5852159" cy="4320539"/>
+          </a:xfrm>
+          <a:prstGeom prst="rect">
+            <a:avLst/>
+          </a:prstGeom>
+          <a:noFill/>
+          <a:ln>
+            <a:noFill/>
+          </a:ln>
+        </p:spPr>
+        <p:txBody>
+          <a:bodyPr lIns="96650" tIns="48325" rIns="96650" bIns="48325" anchor="t" anchorCtr="0">
+            <a:noAutofit/>
+          </a:bodyPr>
+          <a:lstStyle/>
+          <a:p>
+            <a:pPr marL="0" marR="0" lvl="0" indent="0" algn="l" rtl="0">
+              <a:spcBef>
+                <a:spcPts val="0"/>
+              </a:spcBef>
+              <a:buSzPct val="25000"/>
+              <a:buNone/>
+            </a:pPr>
+            <a:endParaRPr sz="1200" b="0" i="0" u="none" strike="noStrike" cap="none">
+              <a:solidFill>
+                <a:schemeClr val="dk1"/>
+              </a:solidFill>
+              <a:latin typeface="Calibri"/>
+              <a:ea typeface="Calibri"/>
+              <a:cs typeface="Calibri"/>
+              <a:sym typeface="Calibri"/>
+            </a:endParaRPr>
+          </a:p>
+        </p:txBody>
+      </p:sp>
+      <p:sp>
+        <p:nvSpPr>
+          <p:cNvPr id="375" name="Shape 375"/>
+          <p:cNvSpPr txBox="1">
+            <a:spLocks noGrp="1"/>
+          </p:cNvSpPr>
+          <p:nvPr>
+            <p:ph type="sldNum" idx="12"/>
+          </p:nvPr>
+        </p:nvSpPr>
+        <p:spPr>
+          <a:xfrm>
+            <a:off x="4143587" y="9119474"/>
+            <a:ext cx="3169920" cy="480059"/>
+          </a:xfrm>
+          <a:prstGeom prst="rect">
+            <a:avLst/>
+          </a:prstGeom>
+          <a:noFill/>
+          <a:ln>
+            <a:noFill/>
+          </a:ln>
+        </p:spPr>
+        <p:txBody>
+          <a:bodyPr lIns="96650" tIns="48325" rIns="96650" bIns="48325" anchor="b" anchorCtr="0">
+            <a:noAutofit/>
+          </a:bodyPr>
+          <a:lstStyle/>
+          <a:p>
+            <a:pPr marL="0" marR="0" lvl="0" indent="0" algn="r" rtl="0">
+              <a:spcBef>
+                <a:spcPts val="0"/>
+              </a:spcBef>
+              <a:buSzPct val="25000"/>
+              <a:buNone/>
+            </a:pPr>
+            <a:fld id="{00000000-1234-1234-1234-123412341234}" type="slidenum">
+              <a:rPr lang="en-US" sz="1300">
+                <a:solidFill>
+                  <a:schemeClr val="dk1"/>
+                </a:solidFill>
+                <a:latin typeface="Calibri"/>
+                <a:ea typeface="Calibri"/>
+                <a:cs typeface="Calibri"/>
+                <a:sym typeface="Calibri"/>
+              </a:rPr>
+              <a:t>20</a:t>
+            </a:fld>
+            <a:endParaRPr lang="en-US" sz="1300">
+              <a:solidFill>
+                <a:schemeClr val="dk1"/>
+              </a:solidFill>
+              <a:latin typeface="Calibri"/>
+              <a:ea typeface="Calibri"/>
+              <a:cs typeface="Calibri"/>
+              <a:sym typeface="Calibri"/>
+            </a:endParaRPr>
+          </a:p>
+        </p:txBody>
+      </p:sp>
+    </p:spTree>
+    <p:extLst>
+      <p:ext uri="{BB962C8B-B14F-4D97-AF65-F5344CB8AC3E}">
+        <p14:creationId xmlns:p14="http://schemas.microsoft.com/office/powerpoint/2010/main" val="1647700250"/>
+      </p:ext>
+    </p:extLst>
   </p:cSld>
   <p:clrMapOvr>
     <a:masterClrMapping/>
@@ -16975,7 +17355,7 @@
                 <a:cs typeface="Calibri"/>
                 <a:sym typeface="Calibri"/>
               </a:rPr>
-              <a:t>Which classification scheme is best for the % </a:t>
+              <a:t>Load the census data in R. Which classification scheme is best for the % </a:t>
             </a:r>
             <a:r>
               <a:rPr lang="en-US" sz="4000" dirty="0" err="1">
@@ -17005,35 +17385,8 @@
                 <a:cs typeface="Calibri"/>
                 <a:sym typeface="Calibri"/>
               </a:rPr>
-              <a:t> variable in our census data? </a:t>
+              <a:t> variable in our census data? Why?</a:t>
             </a:r>
-            <a:r>
-              <a:rPr lang="en-US" sz="4000">
-                <a:solidFill>
-                  <a:schemeClr val="tx1">
-                    <a:lumMod val="85000"/>
-                    <a:lumOff val="15000"/>
-                  </a:schemeClr>
-                </a:solidFill>
-                <a:latin typeface="Calibri"/>
-                <a:ea typeface="Calibri"/>
-                <a:cs typeface="Calibri"/>
-                <a:sym typeface="Calibri"/>
-              </a:rPr>
-              <a:t>Why?</a:t>
-            </a:r>
-            <a:endParaRPr lang="en-US" sz="4000" dirty="0">
-              <a:solidFill>
-                <a:schemeClr val="tx1">
-                  <a:lumMod val="85000"/>
-                  <a:lumOff val="15000"/>
-                </a:schemeClr>
-              </a:solidFill>
-              <a:latin typeface="Calibri"/>
-              <a:ea typeface="Calibri"/>
-              <a:cs typeface="Calibri"/>
-              <a:sym typeface="Calibri"/>
-            </a:endParaRPr>
           </a:p>
           <a:p>
             <a:pPr marL="0" marR="0" lvl="0" indent="0" algn="l" rtl="0">
@@ -17181,6 +17534,156 @@
     <p:extLst>
       <p:ext uri="{BB962C8B-B14F-4D97-AF65-F5344CB8AC3E}">
         <p14:creationId xmlns:p14="http://schemas.microsoft.com/office/powerpoint/2010/main" val="770259144"/>
+      </p:ext>
+    </p:extLst>
+  </p:cSld>
+  <p:clrMapOvr>
+    <a:masterClrMapping/>
+  </p:clrMapOvr>
+</p:sld>
+</file>
+
+<file path=ppt/slides/slide19.xml><?xml version="1.0" encoding="utf-8"?>
+<p:sld xmlns:a="http://schemas.openxmlformats.org/drawingml/2006/main" xmlns:r="http://schemas.openxmlformats.org/officeDocument/2006/relationships" xmlns:p="http://schemas.openxmlformats.org/presentationml/2006/main">
+  <p:cSld>
+    <p:spTree>
+      <p:nvGrpSpPr>
+        <p:cNvPr id="1" name="Shape 376"/>
+        <p:cNvGrpSpPr/>
+        <p:nvPr/>
+      </p:nvGrpSpPr>
+      <p:grpSpPr>
+        <a:xfrm>
+          <a:off x="0" y="0"/>
+          <a:ext cx="0" cy="0"/>
+          <a:chOff x="0" y="0"/>
+          <a:chExt cx="0" cy="0"/>
+        </a:xfrm>
+      </p:grpSpPr>
+      <p:sp>
+        <p:nvSpPr>
+          <p:cNvPr id="377" name="Shape 377"/>
+          <p:cNvSpPr txBox="1"/>
+          <p:nvPr/>
+        </p:nvSpPr>
+        <p:spPr>
+          <a:xfrm>
+            <a:off x="533400" y="380998"/>
+            <a:ext cx="8305799" cy="1200329"/>
+          </a:xfrm>
+          <a:prstGeom prst="rect">
+            <a:avLst/>
+          </a:prstGeom>
+          <a:noFill/>
+          <a:ln>
+            <a:noFill/>
+          </a:ln>
+        </p:spPr>
+        <p:txBody>
+          <a:bodyPr lIns="91425" tIns="45700" rIns="91425" bIns="45700" anchor="t" anchorCtr="0">
+            <a:noAutofit/>
+          </a:bodyPr>
+          <a:lstStyle/>
+          <a:p>
+            <a:pPr lvl="0">
+              <a:buSzPct val="25000"/>
+            </a:pPr>
+            <a:r>
+              <a:rPr lang="en-US" sz="3600" b="1" dirty="0">
+                <a:solidFill>
+                  <a:srgbClr val="FFFF66"/>
+                </a:solidFill>
+                <a:latin typeface="Calibri"/>
+                <a:ea typeface="Calibri"/>
+                <a:cs typeface="Calibri"/>
+                <a:sym typeface="Calibri"/>
+              </a:rPr>
+              <a:t>Clustering</a:t>
+            </a:r>
+          </a:p>
+          <a:p>
+            <a:pPr lvl="0">
+              <a:buSzPct val="25000"/>
+            </a:pPr>
+            <a:r>
+              <a:rPr lang="en-US" sz="3600" dirty="0">
+                <a:solidFill>
+                  <a:srgbClr val="FFFF66"/>
+                </a:solidFill>
+                <a:latin typeface="Calibri"/>
+                <a:ea typeface="Calibri"/>
+                <a:cs typeface="Calibri"/>
+                <a:sym typeface="Calibri"/>
+              </a:rPr>
+              <a:t>K-means and HCA can identify clusters based on multiple attributes</a:t>
+            </a:r>
+          </a:p>
+        </p:txBody>
+      </p:sp>
+      <p:pic>
+        <p:nvPicPr>
+          <p:cNvPr id="5" name="Picture 5" descr="C:\Users\jshannon\Dropbox\Jschool\Research\SNAP and SNAP Ed\Data\Stores 2008-2016\StoreChainAnalysis_Feb2017\Maps figures\Clustermap_ua_combined.png">
+            <a:extLst>
+              <a:ext uri="{FF2B5EF4-FFF2-40B4-BE49-F238E27FC236}">
+                <a16:creationId xmlns:a16="http://schemas.microsoft.com/office/drawing/2014/main" id="{FA370633-BF76-44D9-896F-FCA08AE1D9FB}"/>
+              </a:ext>
+            </a:extLst>
+          </p:cNvPr>
+          <p:cNvPicPr>
+            <a:picLocks noChangeAspect="1" noChangeArrowheads="1"/>
+          </p:cNvPicPr>
+          <p:nvPr/>
+        </p:nvPicPr>
+        <p:blipFill>
+          <a:blip r:embed="rId3">
+            <a:extLst>
+              <a:ext uri="{28A0092B-C50C-407E-A947-70E740481C1C}">
+                <a14:useLocalDpi xmlns:a14="http://schemas.microsoft.com/office/drawing/2010/main" val="0"/>
+              </a:ext>
+            </a:extLst>
+          </a:blip>
+          <a:srcRect/>
+          <a:stretch>
+            <a:fillRect/>
+          </a:stretch>
+        </p:blipFill>
+        <p:spPr bwMode="auto">
+          <a:xfrm>
+            <a:off x="75747" y="2337414"/>
+            <a:ext cx="9036476" cy="3938977"/>
+          </a:xfrm>
+          <a:prstGeom prst="rect">
+            <a:avLst/>
+          </a:prstGeom>
+          <a:noFill/>
+          <a:ln>
+            <a:noFill/>
+          </a:ln>
+          <a:extLst>
+            <a:ext uri="{909E8E84-426E-40DD-AFC4-6F175D3DCCD1}">
+              <a14:hiddenFill xmlns:a14="http://schemas.microsoft.com/office/drawing/2010/main">
+                <a:solidFill>
+                  <a:srgbClr val="FFFFFF"/>
+                </a:solidFill>
+              </a14:hiddenFill>
+            </a:ext>
+            <a:ext uri="{91240B29-F687-4F45-9708-019B960494DF}">
+              <a14:hiddenLine xmlns:a14="http://schemas.microsoft.com/office/drawing/2010/main" w="9525">
+                <a:solidFill>
+                  <a:srgbClr val="000000"/>
+                </a:solidFill>
+                <a:miter lim="800000"/>
+                <a:headEnd/>
+                <a:tailEnd/>
+              </a14:hiddenLine>
+            </a:ext>
+          </a:extLst>
+        </p:spPr>
+      </p:pic>
+    </p:spTree>
+    <p:extLst>
+      <p:ext uri="{BB962C8B-B14F-4D97-AF65-F5344CB8AC3E}">
+        <p14:creationId xmlns:p14="http://schemas.microsoft.com/office/powerpoint/2010/main" val="2767556434"/>
       </p:ext>
     </p:extLst>
   </p:cSld>
@@ -17965,6 +18468,126 @@
       </p:par>
     </p:tnLst>
   </p:timing>
+</p:sld>
+</file>
+
+<file path=ppt/slides/slide20.xml><?xml version="1.0" encoding="utf-8"?>
+<p:sld xmlns:a="http://schemas.openxmlformats.org/drawingml/2006/main" xmlns:r="http://schemas.openxmlformats.org/officeDocument/2006/relationships" xmlns:p="http://schemas.openxmlformats.org/presentationml/2006/main">
+  <p:cSld>
+    <p:spTree>
+      <p:nvGrpSpPr>
+        <p:cNvPr id="1" name="Shape 376"/>
+        <p:cNvGrpSpPr/>
+        <p:nvPr/>
+      </p:nvGrpSpPr>
+      <p:grpSpPr>
+        <a:xfrm>
+          <a:off x="0" y="0"/>
+          <a:ext cx="0" cy="0"/>
+          <a:chOff x="0" y="0"/>
+          <a:chExt cx="0" cy="0"/>
+        </a:xfrm>
+      </p:grpSpPr>
+      <p:sp>
+        <p:nvSpPr>
+          <p:cNvPr id="377" name="Shape 377"/>
+          <p:cNvSpPr txBox="1"/>
+          <p:nvPr/>
+        </p:nvSpPr>
+        <p:spPr>
+          <a:xfrm>
+            <a:off x="533400" y="380998"/>
+            <a:ext cx="8305799" cy="1200329"/>
+          </a:xfrm>
+          <a:prstGeom prst="rect">
+            <a:avLst/>
+          </a:prstGeom>
+          <a:noFill/>
+          <a:ln>
+            <a:noFill/>
+          </a:ln>
+        </p:spPr>
+        <p:txBody>
+          <a:bodyPr lIns="91425" tIns="45700" rIns="91425" bIns="45700" anchor="t" anchorCtr="0">
+            <a:noAutofit/>
+          </a:bodyPr>
+          <a:lstStyle/>
+          <a:p>
+            <a:pPr lvl="0">
+              <a:buSzPct val="25000"/>
+            </a:pPr>
+            <a:r>
+              <a:rPr lang="en-US" sz="3600" b="1" dirty="0">
+                <a:solidFill>
+                  <a:srgbClr val="FFFF66"/>
+                </a:solidFill>
+                <a:latin typeface="Calibri"/>
+                <a:ea typeface="Calibri"/>
+                <a:cs typeface="Calibri"/>
+                <a:sym typeface="Calibri"/>
+              </a:rPr>
+              <a:t>Clustering</a:t>
+            </a:r>
+          </a:p>
+          <a:p>
+            <a:pPr lvl="0">
+              <a:buSzPct val="25000"/>
+            </a:pPr>
+            <a:r>
+              <a:rPr lang="en-US" sz="3600" dirty="0">
+                <a:solidFill>
+                  <a:srgbClr val="FFFF66"/>
+                </a:solidFill>
+                <a:latin typeface="Calibri"/>
+                <a:ea typeface="Calibri"/>
+                <a:cs typeface="Calibri"/>
+                <a:sym typeface="Calibri"/>
+              </a:rPr>
+              <a:t>K-means and HCA can identify clusters based on multiple attributes</a:t>
+            </a:r>
+          </a:p>
+        </p:txBody>
+      </p:sp>
+      <p:pic>
+        <p:nvPicPr>
+          <p:cNvPr id="4" name="Picture 3">
+            <a:extLst>
+              <a:ext uri="{FF2B5EF4-FFF2-40B4-BE49-F238E27FC236}">
+                <a16:creationId xmlns:a16="http://schemas.microsoft.com/office/drawing/2014/main" id="{60FEB685-6F24-44DB-837E-6C0B772E4309}"/>
+              </a:ext>
+            </a:extLst>
+          </p:cNvPr>
+          <p:cNvPicPr>
+            <a:picLocks noChangeAspect="1"/>
+          </p:cNvPicPr>
+          <p:nvPr/>
+        </p:nvPicPr>
+        <p:blipFill>
+          <a:blip r:embed="rId3"/>
+          <a:stretch>
+            <a:fillRect/>
+          </a:stretch>
+        </p:blipFill>
+        <p:spPr>
+          <a:xfrm>
+            <a:off x="1717142" y="2282890"/>
+            <a:ext cx="5937515" cy="4241082"/>
+          </a:xfrm>
+          <a:prstGeom prst="rect">
+            <a:avLst/>
+          </a:prstGeom>
+        </p:spPr>
+      </p:pic>
+    </p:spTree>
+    <p:extLst>
+      <p:ext uri="{BB962C8B-B14F-4D97-AF65-F5344CB8AC3E}">
+        <p14:creationId xmlns:p14="http://schemas.microsoft.com/office/powerpoint/2010/main" val="4111000292"/>
+      </p:ext>
+    </p:extLst>
+  </p:cSld>
+  <p:clrMapOvr>
+    <a:masterClrMapping/>
+  </p:clrMapOvr>
 </p:sld>
 </file>
 
